--- a/images/predicted_collisions.pptx
+++ b/images/predicted_collisions.pptx
@@ -2,12 +2,12 @@
 <file path=ppt/presentation.xml><?xml version="1.0" encoding="utf-8"?>
 <p:presentation xmlns:a="http://schemas.openxmlformats.org/drawingml/2006/main" xmlns:r="http://schemas.openxmlformats.org/officeDocument/2006/relationships" xmlns:p="http://schemas.openxmlformats.org/presentationml/2006/main" saveSubsetFonts="1">
   <p:sldMasterIdLst>
-    <p:sldMasterId id="2147483696" r:id="rId1"/>
+    <p:sldMasterId id="2147483708" r:id="rId1"/>
   </p:sldMasterIdLst>
   <p:sldIdLst>
     <p:sldId id="256" r:id="rId2"/>
   </p:sldIdLst>
-  <p:sldSz cx="1828800" cy="2606675"/>
+  <p:sldSz cx="6400800" cy="2514600"/>
   <p:notesSz cx="6858000" cy="9144000"/>
   <p:defaultTextStyle>
     <a:defPPr>
@@ -131,7 +131,7 @@
     <c:plotArea>
       <c:layout/>
       <c:barChart>
-        <c:barDir val="col"/>
+        <c:barDir val="bar"/>
         <c:grouping val="stacked"/>
         <c:varyColors val="0"/>
         <c:ser>
@@ -139,7 +139,7 @@
           <c:order val="0"/>
           <c:tx>
             <c:strRef>
-              <c:f>'Programming Issues'!$I$34</c:f>
+              <c:f>'Programming Obstacles'!$I$34</c:f>
               <c:strCache>
                 <c:ptCount val="1"/>
                 <c:pt idx="0">
@@ -163,21 +163,21 @@
           <c:invertIfNegative val="0"/>
           <c:cat>
             <c:strRef>
-              <c:f>'Programming Issues'!$J$33:$K$33</c:f>
+              <c:f>'Programming Obstacles'!$J$33:$K$33</c:f>
               <c:strCache>
                 <c:ptCount val="2"/>
                 <c:pt idx="0">
                   <c:v>Duplo</c:v>
                 </c:pt>
                 <c:pt idx="1">
-                  <c:v>RSOY</c:v>
+                  <c:v>ROY</c:v>
                 </c:pt>
               </c:strCache>
             </c:strRef>
           </c:cat>
           <c:val>
             <c:numRef>
-              <c:f>'Programming Issues'!$J$34:$K$34</c:f>
+              <c:f>'Programming Obstacles'!$J$34:$K$34</c:f>
               <c:numCache>
                 <c:formatCode>General</c:formatCode>
                 <c:ptCount val="2"/>
@@ -192,7 +192,7 @@
           </c:val>
           <c:extLst>
             <c:ext xmlns:c16="http://schemas.microsoft.com/office/drawing/2014/chart" uri="{C3380CC4-5D6E-409C-BE32-E72D297353CC}">
-              <c16:uniqueId val="{00000000-6CDD-4EAE-93E4-10E3C957BD8F}"/>
+              <c16:uniqueId val="{00000000-D6D3-442B-A28A-A26DF7ACBCAA}"/>
             </c:ext>
           </c:extLst>
         </c:ser>
@@ -201,7 +201,7 @@
           <c:order val="1"/>
           <c:tx>
             <c:strRef>
-              <c:f>'Programming Issues'!$I$35</c:f>
+              <c:f>'Programming Obstacles'!$I$35</c:f>
               <c:strCache>
                 <c:ptCount val="1"/>
                 <c:pt idx="0">
@@ -231,21 +231,21 @@
           </c:errBars>
           <c:cat>
             <c:strRef>
-              <c:f>'Programming Issues'!$J$33:$K$33</c:f>
+              <c:f>'Programming Obstacles'!$J$33:$K$33</c:f>
               <c:strCache>
                 <c:ptCount val="2"/>
                 <c:pt idx="0">
                   <c:v>Duplo</c:v>
                 </c:pt>
                 <c:pt idx="1">
-                  <c:v>RSOY</c:v>
+                  <c:v>ROY</c:v>
                 </c:pt>
               </c:strCache>
             </c:strRef>
           </c:cat>
           <c:val>
             <c:numRef>
-              <c:f>'Programming Issues'!$J$35:$K$35</c:f>
+              <c:f>'Programming Obstacles'!$J$35:$K$35</c:f>
               <c:numCache>
                 <c:formatCode>General</c:formatCode>
                 <c:ptCount val="2"/>
@@ -260,7 +260,7 @@
           </c:val>
           <c:extLst>
             <c:ext xmlns:c16="http://schemas.microsoft.com/office/drawing/2014/chart" uri="{C3380CC4-5D6E-409C-BE32-E72D297353CC}">
-              <c16:uniqueId val="{00000001-6CDD-4EAE-93E4-10E3C957BD8F}"/>
+              <c16:uniqueId val="{00000001-D6D3-442B-A28A-A26DF7ACBCAA}"/>
             </c:ext>
           </c:extLst>
         </c:ser>
@@ -269,7 +269,7 @@
           <c:order val="2"/>
           <c:tx>
             <c:strRef>
-              <c:f>'Programming Issues'!$I$36</c:f>
+              <c:f>'Programming Obstacles'!$I$36</c:f>
               <c:strCache>
                 <c:ptCount val="1"/>
                 <c:pt idx="0">
@@ -279,7 +279,7 @@
             </c:strRef>
           </c:tx>
           <c:spPr>
-            <a:ln w="19050">
+            <a:ln w="28575">
               <a:solidFill>
                 <a:schemeClr val="tx1"/>
               </a:solidFill>
@@ -288,21 +288,21 @@
           <c:invertIfNegative val="0"/>
           <c:cat>
             <c:strRef>
-              <c:f>'Programming Issues'!$J$33:$K$33</c:f>
+              <c:f>'Programming Obstacles'!$J$33:$K$33</c:f>
               <c:strCache>
                 <c:ptCount val="2"/>
                 <c:pt idx="0">
                   <c:v>Duplo</c:v>
                 </c:pt>
                 <c:pt idx="1">
-                  <c:v>RSOY</c:v>
+                  <c:v>ROY</c:v>
                 </c:pt>
               </c:strCache>
             </c:strRef>
           </c:cat>
           <c:val>
             <c:numRef>
-              <c:f>'Programming Issues'!$J$36:$K$36</c:f>
+              <c:f>'Programming Obstacles'!$J$36:$K$36</c:f>
               <c:numCache>
                 <c:formatCode>General</c:formatCode>
                 <c:ptCount val="2"/>
@@ -317,7 +317,7 @@
           </c:val>
           <c:extLst>
             <c:ext xmlns:c16="http://schemas.microsoft.com/office/drawing/2014/chart" uri="{C3380CC4-5D6E-409C-BE32-E72D297353CC}">
-              <c16:uniqueId val="{00000002-6CDD-4EAE-93E4-10E3C957BD8F}"/>
+              <c16:uniqueId val="{00000002-D6D3-442B-A28A-A26DF7ACBCAA}"/>
             </c:ext>
           </c:extLst>
         </c:ser>
@@ -326,7 +326,7 @@
           <c:order val="3"/>
           <c:tx>
             <c:strRef>
-              <c:f>'Programming Issues'!$I$37</c:f>
+              <c:f>'Programming Obstacles'!$I$37</c:f>
               <c:strCache>
                 <c:ptCount val="1"/>
                 <c:pt idx="0">
@@ -336,66 +336,23 @@
             </c:strRef>
           </c:tx>
           <c:spPr>
-            <a:ln w="19050">
+            <a:solidFill>
+              <a:srgbClr val="F19E65"/>
+            </a:solidFill>
+            <a:ln w="28575">
               <a:solidFill>
                 <a:schemeClr val="tx1"/>
               </a:solidFill>
             </a:ln>
           </c:spPr>
           <c:invertIfNegative val="0"/>
-          <c:dPt>
-            <c:idx val="0"/>
-            <c:invertIfNegative val="0"/>
-            <c:bubble3D val="0"/>
-            <c:spPr>
-              <a:solidFill>
-                <a:schemeClr val="accent4">
-                  <a:lumMod val="60000"/>
-                  <a:lumOff val="40000"/>
-                </a:schemeClr>
-              </a:solidFill>
-              <a:ln w="19050">
-                <a:solidFill>
-                  <a:schemeClr val="tx1"/>
-                </a:solidFill>
-              </a:ln>
-            </c:spPr>
-            <c:extLst>
-              <c:ext xmlns:c16="http://schemas.microsoft.com/office/drawing/2014/chart" uri="{C3380CC4-5D6E-409C-BE32-E72D297353CC}">
-                <c16:uniqueId val="{00000006-6CDD-4EAE-93E4-10E3C957BD8F}"/>
-              </c:ext>
-            </c:extLst>
-          </c:dPt>
-          <c:dPt>
-            <c:idx val="1"/>
-            <c:invertIfNegative val="0"/>
-            <c:bubble3D val="0"/>
-            <c:spPr>
-              <a:solidFill>
-                <a:schemeClr val="accent6">
-                  <a:lumMod val="60000"/>
-                  <a:lumOff val="40000"/>
-                </a:schemeClr>
-              </a:solidFill>
-              <a:ln w="19050">
-                <a:solidFill>
-                  <a:schemeClr val="tx1"/>
-                </a:solidFill>
-              </a:ln>
-            </c:spPr>
-            <c:extLst>
-              <c:ext xmlns:c16="http://schemas.microsoft.com/office/drawing/2014/chart" uri="{C3380CC4-5D6E-409C-BE32-E72D297353CC}">
-                <c16:uniqueId val="{00000005-6CDD-4EAE-93E4-10E3C957BD8F}"/>
-              </c:ext>
-            </c:extLst>
-          </c:dPt>
           <c:errBars>
             <c:errBarType val="plus"/>
             <c:errValType val="cust"/>
             <c:noEndCap val="0"/>
             <c:plus>
               <c:numRef>
-                <c:f>'Programming Issues'!$J$38:$K$38</c:f>
+                <c:f>'Programming Obstacles'!$J$38:$K$38</c:f>
                 <c:numCache>
                   <c:formatCode>General</c:formatCode>
                   <c:ptCount val="2"/>
@@ -409,26 +366,26 @@
               </c:numRef>
             </c:plus>
             <c:spPr>
-              <a:ln w="19050"/>
+              <a:ln w="28575"/>
             </c:spPr>
           </c:errBars>
           <c:cat>
             <c:strRef>
-              <c:f>'Programming Issues'!$J$33:$K$33</c:f>
+              <c:f>'Programming Obstacles'!$J$33:$K$33</c:f>
               <c:strCache>
                 <c:ptCount val="2"/>
                 <c:pt idx="0">
                   <c:v>Duplo</c:v>
                 </c:pt>
                 <c:pt idx="1">
-                  <c:v>RSOY</c:v>
+                  <c:v>ROY</c:v>
                 </c:pt>
               </c:strCache>
             </c:strRef>
           </c:cat>
           <c:val>
             <c:numRef>
-              <c:f>'Programming Issues'!$J$37:$K$37</c:f>
+              <c:f>'Programming Obstacles'!$J$37:$K$37</c:f>
               <c:numCache>
                 <c:formatCode>General</c:formatCode>
                 <c:ptCount val="2"/>
@@ -443,7 +400,7 @@
           </c:val>
           <c:extLst>
             <c:ext xmlns:c16="http://schemas.microsoft.com/office/drawing/2014/chart" uri="{C3380CC4-5D6E-409C-BE32-E72D297353CC}">
-              <c16:uniqueId val="{00000003-6CDD-4EAE-93E4-10E3C957BD8F}"/>
+              <c16:uniqueId val="{00000003-D6D3-442B-A28A-A26DF7ACBCAA}"/>
             </c:ext>
           </c:extLst>
         </c:ser>
@@ -455,77 +412,18 @@
           <c:showPercent val="0"/>
           <c:showBubbleSize val="0"/>
         </c:dLbls>
-        <c:gapWidth val="150"/>
+        <c:gapWidth val="50"/>
         <c:overlap val="100"/>
         <c:axId val="1198167040"/>
         <c:axId val="1176041392"/>
       </c:barChart>
-      <c:scatterChart>
-        <c:scatterStyle val="lineMarker"/>
-        <c:varyColors val="0"/>
-        <c:ser>
-          <c:idx val="4"/>
-          <c:order val="4"/>
-          <c:tx>
-            <c:v>m</c:v>
-          </c:tx>
-          <c:spPr>
-            <a:ln w="19050">
-              <a:noFill/>
-            </a:ln>
-          </c:spPr>
-          <c:marker>
-            <c:symbol val="x"/>
-            <c:size val="5"/>
-            <c:spPr>
-              <a:ln w="19050">
-                <a:solidFill>
-                  <a:srgbClr val="000000"/>
-                </a:solidFill>
-                <a:prstDash val="solid"/>
-              </a:ln>
-            </c:spPr>
-          </c:marker>
-          <c:yVal>
-            <c:numRef>
-              <c:f>'Programming Issues'!$J$39:$K$39</c:f>
-              <c:numCache>
-                <c:formatCode>General</c:formatCode>
-                <c:ptCount val="2"/>
-                <c:pt idx="0">
-                  <c:v>2.3199999999999998</c:v>
-                </c:pt>
-                <c:pt idx="1">
-                  <c:v>1.96</c:v>
-                </c:pt>
-              </c:numCache>
-            </c:numRef>
-          </c:yVal>
-          <c:smooth val="0"/>
-          <c:extLst>
-            <c:ext xmlns:c16="http://schemas.microsoft.com/office/drawing/2014/chart" uri="{C3380CC4-5D6E-409C-BE32-E72D297353CC}">
-              <c16:uniqueId val="{00000004-6CDD-4EAE-93E4-10E3C957BD8F}"/>
-            </c:ext>
-          </c:extLst>
-        </c:ser>
-        <c:dLbls>
-          <c:showLegendKey val="0"/>
-          <c:showVal val="0"/>
-          <c:showCatName val="0"/>
-          <c:showSerName val="0"/>
-          <c:showPercent val="0"/>
-          <c:showBubbleSize val="0"/>
-        </c:dLbls>
-        <c:axId val="1198167040"/>
-        <c:axId val="1176041392"/>
-      </c:scatterChart>
       <c:catAx>
         <c:axId val="1198167040"/>
         <c:scaling>
           <c:orientation val="minMax"/>
         </c:scaling>
         <c:delete val="0"/>
-        <c:axPos val="b"/>
+        <c:axPos val="l"/>
         <c:numFmt formatCode="General" sourceLinked="1"/>
         <c:majorTickMark val="out"/>
         <c:minorTickMark val="none"/>
@@ -542,9 +440,10 @@
         <c:scaling>
           <c:orientation val="minMax"/>
           <c:max val="40"/>
+          <c:min val="0"/>
         </c:scaling>
         <c:delete val="0"/>
-        <c:axPos val="l"/>
+        <c:axPos val="b"/>
         <c:majorGridlines/>
         <c:title>
           <c:tx>
@@ -553,11 +452,11 @@
               <a:lstStyle/>
               <a:p>
                 <a:pPr>
-                  <a:defRPr b="0"/>
+                  <a:defRPr/>
                 </a:pPr>
                 <a:r>
                   <a:rPr lang="en-US" b="0" dirty="0"/>
-                  <a:t># Occurrences</a:t>
+                  <a:t>Occurrences</a:t>
                 </a:r>
               </a:p>
             </c:rich>
@@ -571,6 +470,8 @@
         <c:crossAx val="1198167040"/>
         <c:crosses val="autoZero"/>
         <c:crossBetween val="between"/>
+        <c:majorUnit val="5"/>
+        <c:minorUnit val="5"/>
       </c:valAx>
       <c:spPr>
         <a:solidFill>
@@ -590,7 +491,7 @@
     <a:lstStyle/>
     <a:p>
       <a:pPr>
-        <a:defRPr sz="1200"/>
+        <a:defRPr sz="2000"/>
       </a:pPr>
       <a:endParaRPr lang="en-US"/>
     </a:p>
@@ -630,15 +531,15 @@
         </p:nvSpPr>
         <p:spPr>
           <a:xfrm>
-            <a:off x="137160" y="426602"/>
-            <a:ext cx="1554480" cy="907509"/>
+            <a:off x="800100" y="411533"/>
+            <a:ext cx="4800600" cy="875453"/>
           </a:xfrm>
         </p:spPr>
         <p:txBody>
           <a:bodyPr anchor="b"/>
           <a:lstStyle>
             <a:lvl1pPr algn="ctr">
-              <a:defRPr sz="1200"/>
+              <a:defRPr sz="2200"/>
             </a:lvl1pPr>
           </a:lstStyle>
           <a:p>
@@ -662,8 +563,8 @@
         </p:nvSpPr>
         <p:spPr>
           <a:xfrm>
-            <a:off x="228600" y="1369108"/>
-            <a:ext cx="1371600" cy="629343"/>
+            <a:off x="800100" y="1320747"/>
+            <a:ext cx="4800600" cy="607113"/>
           </a:xfrm>
         </p:spPr>
         <p:txBody>
@@ -671,39 +572,39 @@
           <a:lstStyle>
             <a:lvl1pPr marL="0" indent="0" algn="ctr">
               <a:buNone/>
-              <a:defRPr sz="480"/>
+              <a:defRPr sz="880"/>
             </a:lvl1pPr>
-            <a:lvl2pPr marL="91440" indent="0" algn="ctr">
-              <a:buNone/>
-              <a:defRPr sz="400"/>
+            <a:lvl2pPr marL="167655" indent="0" algn="ctr">
+              <a:buNone/>
+              <a:defRPr sz="733"/>
             </a:lvl2pPr>
-            <a:lvl3pPr marL="182880" indent="0" algn="ctr">
-              <a:buNone/>
-              <a:defRPr sz="360"/>
+            <a:lvl3pPr marL="335310" indent="0" algn="ctr">
+              <a:buNone/>
+              <a:defRPr sz="660"/>
             </a:lvl3pPr>
-            <a:lvl4pPr marL="274320" indent="0" algn="ctr">
-              <a:buNone/>
-              <a:defRPr sz="320"/>
+            <a:lvl4pPr marL="502966" indent="0" algn="ctr">
+              <a:buNone/>
+              <a:defRPr sz="587"/>
             </a:lvl4pPr>
-            <a:lvl5pPr marL="365760" indent="0" algn="ctr">
-              <a:buNone/>
-              <a:defRPr sz="320"/>
+            <a:lvl5pPr marL="670621" indent="0" algn="ctr">
+              <a:buNone/>
+              <a:defRPr sz="587"/>
             </a:lvl5pPr>
-            <a:lvl6pPr marL="457200" indent="0" algn="ctr">
-              <a:buNone/>
-              <a:defRPr sz="320"/>
+            <a:lvl6pPr marL="838276" indent="0" algn="ctr">
+              <a:buNone/>
+              <a:defRPr sz="587"/>
             </a:lvl6pPr>
-            <a:lvl7pPr marL="548640" indent="0" algn="ctr">
-              <a:buNone/>
-              <a:defRPr sz="320"/>
+            <a:lvl7pPr marL="1005931" indent="0" algn="ctr">
+              <a:buNone/>
+              <a:defRPr sz="587"/>
             </a:lvl7pPr>
-            <a:lvl8pPr marL="640080" indent="0" algn="ctr">
-              <a:buNone/>
-              <a:defRPr sz="320"/>
+            <a:lvl8pPr marL="1173587" indent="0" algn="ctr">
+              <a:buNone/>
+              <a:defRPr sz="587"/>
             </a:lvl8pPr>
-            <a:lvl9pPr marL="731520" indent="0" algn="ctr">
-              <a:buNone/>
-              <a:defRPr sz="320"/>
+            <a:lvl9pPr marL="1341242" indent="0" algn="ctr">
+              <a:buNone/>
+              <a:defRPr sz="587"/>
             </a:lvl9pPr>
           </a:lstStyle>
           <a:p>
@@ -732,7 +633,7 @@
           <a:p>
             <a:fld id="{B2EC105D-F84F-4B0D-B186-F026FCD65647}" type="datetimeFigureOut">
               <a:rPr lang="en-US" smtClean="0"/>
-              <a:t>2/8/2023</a:t>
+              <a:t>2/21/2023</a:t>
             </a:fld>
             <a:endParaRPr lang="en-US"/>
           </a:p>
@@ -783,7 +684,7 @@
     </p:spTree>
     <p:extLst>
       <p:ext uri="{BB962C8B-B14F-4D97-AF65-F5344CB8AC3E}">
-        <p14:creationId xmlns:p14="http://schemas.microsoft.com/office/powerpoint/2010/main" val="429951428"/>
+        <p14:creationId xmlns:p14="http://schemas.microsoft.com/office/powerpoint/2010/main" val="2015369508"/>
       </p:ext>
     </p:extLst>
   </p:cSld>
@@ -902,7 +803,7 @@
           <a:p>
             <a:fld id="{B2EC105D-F84F-4B0D-B186-F026FCD65647}" type="datetimeFigureOut">
               <a:rPr lang="en-US" smtClean="0"/>
-              <a:t>2/8/2023</a:t>
+              <a:t>2/21/2023</a:t>
             </a:fld>
             <a:endParaRPr lang="en-US"/>
           </a:p>
@@ -953,7 +854,7 @@
     </p:spTree>
     <p:extLst>
       <p:ext uri="{BB962C8B-B14F-4D97-AF65-F5344CB8AC3E}">
-        <p14:creationId xmlns:p14="http://schemas.microsoft.com/office/powerpoint/2010/main" val="3245923149"/>
+        <p14:creationId xmlns:p14="http://schemas.microsoft.com/office/powerpoint/2010/main" val="3123261786"/>
       </p:ext>
     </p:extLst>
   </p:cSld>
@@ -992,8 +893,8 @@
         </p:nvSpPr>
         <p:spPr>
           <a:xfrm>
-            <a:off x="1308735" y="138781"/>
-            <a:ext cx="394335" cy="2209037"/>
+            <a:off x="4580572" y="133879"/>
+            <a:ext cx="1380173" cy="2131007"/>
           </a:xfrm>
         </p:spPr>
         <p:txBody>
@@ -1020,8 +921,8 @@
         </p:nvSpPr>
         <p:spPr>
           <a:xfrm>
-            <a:off x="125730" y="138781"/>
-            <a:ext cx="1160145" cy="2209037"/>
+            <a:off x="440055" y="133879"/>
+            <a:ext cx="4060508" cy="2131007"/>
           </a:xfrm>
         </p:spPr>
         <p:txBody>
@@ -1082,7 +983,7 @@
           <a:p>
             <a:fld id="{B2EC105D-F84F-4B0D-B186-F026FCD65647}" type="datetimeFigureOut">
               <a:rPr lang="en-US" smtClean="0"/>
-              <a:t>2/8/2023</a:t>
+              <a:t>2/21/2023</a:t>
             </a:fld>
             <a:endParaRPr lang="en-US"/>
           </a:p>
@@ -1133,7 +1034,7 @@
     </p:spTree>
     <p:extLst>
       <p:ext uri="{BB962C8B-B14F-4D97-AF65-F5344CB8AC3E}">
-        <p14:creationId xmlns:p14="http://schemas.microsoft.com/office/powerpoint/2010/main" val="3191211857"/>
+        <p14:creationId xmlns:p14="http://schemas.microsoft.com/office/powerpoint/2010/main" val="3876283703"/>
       </p:ext>
     </p:extLst>
   </p:cSld>
@@ -1252,7 +1153,7 @@
           <a:p>
             <a:fld id="{B2EC105D-F84F-4B0D-B186-F026FCD65647}" type="datetimeFigureOut">
               <a:rPr lang="en-US" smtClean="0"/>
-              <a:t>2/8/2023</a:t>
+              <a:t>2/21/2023</a:t>
             </a:fld>
             <a:endParaRPr lang="en-US"/>
           </a:p>
@@ -1303,7 +1204,7 @@
     </p:spTree>
     <p:extLst>
       <p:ext uri="{BB962C8B-B14F-4D97-AF65-F5344CB8AC3E}">
-        <p14:creationId xmlns:p14="http://schemas.microsoft.com/office/powerpoint/2010/main" val="763415911"/>
+        <p14:creationId xmlns:p14="http://schemas.microsoft.com/office/powerpoint/2010/main" val="655606358"/>
       </p:ext>
     </p:extLst>
   </p:cSld>
@@ -1342,15 +1243,15 @@
         </p:nvSpPr>
         <p:spPr>
           <a:xfrm>
-            <a:off x="124778" y="649859"/>
-            <a:ext cx="1577340" cy="1084304"/>
+            <a:off x="436721" y="626904"/>
+            <a:ext cx="5520690" cy="1046004"/>
           </a:xfrm>
         </p:spPr>
         <p:txBody>
           <a:bodyPr anchor="b"/>
           <a:lstStyle>
             <a:lvl1pPr>
-              <a:defRPr sz="1200"/>
+              <a:defRPr sz="2200"/>
             </a:lvl1pPr>
           </a:lstStyle>
           <a:p>
@@ -1374,8 +1275,8 @@
         </p:nvSpPr>
         <p:spPr>
           <a:xfrm>
-            <a:off x="124778" y="1744421"/>
-            <a:ext cx="1577340" cy="570210"/>
+            <a:off x="436721" y="1682803"/>
+            <a:ext cx="5520690" cy="550069"/>
           </a:xfrm>
         </p:spPr>
         <p:txBody>
@@ -1383,15 +1284,17 @@
           <a:lstStyle>
             <a:lvl1pPr marL="0" indent="0">
               <a:buNone/>
-              <a:defRPr sz="480">
+              <a:defRPr sz="880">
                 <a:solidFill>
-                  <a:schemeClr val="tx1"/>
+                  <a:schemeClr val="tx1">
+                    <a:tint val="75000"/>
+                  </a:schemeClr>
                 </a:solidFill>
               </a:defRPr>
             </a:lvl1pPr>
-            <a:lvl2pPr marL="91440" indent="0">
-              <a:buNone/>
-              <a:defRPr sz="400">
+            <a:lvl2pPr marL="167655" indent="0">
+              <a:buNone/>
+              <a:defRPr sz="733">
                 <a:solidFill>
                   <a:schemeClr val="tx1">
                     <a:tint val="75000"/>
@@ -1399,9 +1302,9 @@
                 </a:solidFill>
               </a:defRPr>
             </a:lvl2pPr>
-            <a:lvl3pPr marL="182880" indent="0">
-              <a:buNone/>
-              <a:defRPr sz="360">
+            <a:lvl3pPr marL="335310" indent="0">
+              <a:buNone/>
+              <a:defRPr sz="660">
                 <a:solidFill>
                   <a:schemeClr val="tx1">
                     <a:tint val="75000"/>
@@ -1409,9 +1312,9 @@
                 </a:solidFill>
               </a:defRPr>
             </a:lvl3pPr>
-            <a:lvl4pPr marL="274320" indent="0">
-              <a:buNone/>
-              <a:defRPr sz="320">
+            <a:lvl4pPr marL="502966" indent="0">
+              <a:buNone/>
+              <a:defRPr sz="587">
                 <a:solidFill>
                   <a:schemeClr val="tx1">
                     <a:tint val="75000"/>
@@ -1419,9 +1322,9 @@
                 </a:solidFill>
               </a:defRPr>
             </a:lvl4pPr>
-            <a:lvl5pPr marL="365760" indent="0">
-              <a:buNone/>
-              <a:defRPr sz="320">
+            <a:lvl5pPr marL="670621" indent="0">
+              <a:buNone/>
+              <a:defRPr sz="587">
                 <a:solidFill>
                   <a:schemeClr val="tx1">
                     <a:tint val="75000"/>
@@ -1429,9 +1332,9 @@
                 </a:solidFill>
               </a:defRPr>
             </a:lvl5pPr>
-            <a:lvl6pPr marL="457200" indent="0">
-              <a:buNone/>
-              <a:defRPr sz="320">
+            <a:lvl6pPr marL="838276" indent="0">
+              <a:buNone/>
+              <a:defRPr sz="587">
                 <a:solidFill>
                   <a:schemeClr val="tx1">
                     <a:tint val="75000"/>
@@ -1439,9 +1342,9 @@
                 </a:solidFill>
               </a:defRPr>
             </a:lvl6pPr>
-            <a:lvl7pPr marL="548640" indent="0">
-              <a:buNone/>
-              <a:defRPr sz="320">
+            <a:lvl7pPr marL="1005931" indent="0">
+              <a:buNone/>
+              <a:defRPr sz="587">
                 <a:solidFill>
                   <a:schemeClr val="tx1">
                     <a:tint val="75000"/>
@@ -1449,9 +1352,9 @@
                 </a:solidFill>
               </a:defRPr>
             </a:lvl7pPr>
-            <a:lvl8pPr marL="640080" indent="0">
-              <a:buNone/>
-              <a:defRPr sz="320">
+            <a:lvl8pPr marL="1173587" indent="0">
+              <a:buNone/>
+              <a:defRPr sz="587">
                 <a:solidFill>
                   <a:schemeClr val="tx1">
                     <a:tint val="75000"/>
@@ -1459,9 +1362,9 @@
                 </a:solidFill>
               </a:defRPr>
             </a:lvl8pPr>
-            <a:lvl9pPr marL="731520" indent="0">
-              <a:buNone/>
-              <a:defRPr sz="320">
+            <a:lvl9pPr marL="1341242" indent="0">
+              <a:buNone/>
+              <a:defRPr sz="587">
                 <a:solidFill>
                   <a:schemeClr val="tx1">
                     <a:tint val="75000"/>
@@ -1496,7 +1399,7 @@
           <a:p>
             <a:fld id="{B2EC105D-F84F-4B0D-B186-F026FCD65647}" type="datetimeFigureOut">
               <a:rPr lang="en-US" smtClean="0"/>
-              <a:t>2/8/2023</a:t>
+              <a:t>2/21/2023</a:t>
             </a:fld>
             <a:endParaRPr lang="en-US"/>
           </a:p>
@@ -1547,7 +1450,7 @@
     </p:spTree>
     <p:extLst>
       <p:ext uri="{BB962C8B-B14F-4D97-AF65-F5344CB8AC3E}">
-        <p14:creationId xmlns:p14="http://schemas.microsoft.com/office/powerpoint/2010/main" val="4017197397"/>
+        <p14:creationId xmlns:p14="http://schemas.microsoft.com/office/powerpoint/2010/main" val="3666111397"/>
       </p:ext>
     </p:extLst>
   </p:cSld>
@@ -1609,8 +1512,8 @@
         </p:nvSpPr>
         <p:spPr>
           <a:xfrm>
-            <a:off x="125730" y="693907"/>
-            <a:ext cx="777240" cy="1653911"/>
+            <a:off x="440055" y="669396"/>
+            <a:ext cx="2720340" cy="1595491"/>
           </a:xfrm>
         </p:spPr>
         <p:txBody>
@@ -1666,8 +1569,8 @@
         </p:nvSpPr>
         <p:spPr>
           <a:xfrm>
-            <a:off x="925830" y="693907"/>
-            <a:ext cx="777240" cy="1653911"/>
+            <a:off x="3240405" y="669396"/>
+            <a:ext cx="2720340" cy="1595491"/>
           </a:xfrm>
         </p:spPr>
         <p:txBody>
@@ -1728,7 +1631,7 @@
           <a:p>
             <a:fld id="{B2EC105D-F84F-4B0D-B186-F026FCD65647}" type="datetimeFigureOut">
               <a:rPr lang="en-US" smtClean="0"/>
-              <a:t>2/8/2023</a:t>
+              <a:t>2/21/2023</a:t>
             </a:fld>
             <a:endParaRPr lang="en-US"/>
           </a:p>
@@ -1779,7 +1682,7 @@
     </p:spTree>
     <p:extLst>
       <p:ext uri="{BB962C8B-B14F-4D97-AF65-F5344CB8AC3E}">
-        <p14:creationId xmlns:p14="http://schemas.microsoft.com/office/powerpoint/2010/main" val="2391865559"/>
+        <p14:creationId xmlns:p14="http://schemas.microsoft.com/office/powerpoint/2010/main" val="1907284312"/>
       </p:ext>
     </p:extLst>
   </p:cSld>
@@ -1818,8 +1721,8 @@
         </p:nvSpPr>
         <p:spPr>
           <a:xfrm>
-            <a:off x="125968" y="138782"/>
-            <a:ext cx="1577340" cy="503837"/>
+            <a:off x="440889" y="133879"/>
+            <a:ext cx="5520690" cy="486040"/>
           </a:xfrm>
         </p:spPr>
         <p:txBody>
@@ -1846,8 +1749,8 @@
         </p:nvSpPr>
         <p:spPr>
           <a:xfrm>
-            <a:off x="125968" y="638998"/>
-            <a:ext cx="773668" cy="313163"/>
+            <a:off x="440889" y="616426"/>
+            <a:ext cx="2707838" cy="302101"/>
           </a:xfrm>
         </p:spPr>
         <p:txBody>
@@ -1855,39 +1758,39 @@
           <a:lstStyle>
             <a:lvl1pPr marL="0" indent="0">
               <a:buNone/>
-              <a:defRPr sz="480" b="1"/>
+              <a:defRPr sz="880" b="1"/>
             </a:lvl1pPr>
-            <a:lvl2pPr marL="91440" indent="0">
-              <a:buNone/>
-              <a:defRPr sz="400" b="1"/>
+            <a:lvl2pPr marL="167655" indent="0">
+              <a:buNone/>
+              <a:defRPr sz="733" b="1"/>
             </a:lvl2pPr>
-            <a:lvl3pPr marL="182880" indent="0">
-              <a:buNone/>
-              <a:defRPr sz="360" b="1"/>
+            <a:lvl3pPr marL="335310" indent="0">
+              <a:buNone/>
+              <a:defRPr sz="660" b="1"/>
             </a:lvl3pPr>
-            <a:lvl4pPr marL="274320" indent="0">
-              <a:buNone/>
-              <a:defRPr sz="320" b="1"/>
+            <a:lvl4pPr marL="502966" indent="0">
+              <a:buNone/>
+              <a:defRPr sz="587" b="1"/>
             </a:lvl4pPr>
-            <a:lvl5pPr marL="365760" indent="0">
-              <a:buNone/>
-              <a:defRPr sz="320" b="1"/>
+            <a:lvl5pPr marL="670621" indent="0">
+              <a:buNone/>
+              <a:defRPr sz="587" b="1"/>
             </a:lvl5pPr>
-            <a:lvl6pPr marL="457200" indent="0">
-              <a:buNone/>
-              <a:defRPr sz="320" b="1"/>
+            <a:lvl6pPr marL="838276" indent="0">
+              <a:buNone/>
+              <a:defRPr sz="587" b="1"/>
             </a:lvl6pPr>
-            <a:lvl7pPr marL="548640" indent="0">
-              <a:buNone/>
-              <a:defRPr sz="320" b="1"/>
+            <a:lvl7pPr marL="1005931" indent="0">
+              <a:buNone/>
+              <a:defRPr sz="587" b="1"/>
             </a:lvl7pPr>
-            <a:lvl8pPr marL="640080" indent="0">
-              <a:buNone/>
-              <a:defRPr sz="320" b="1"/>
+            <a:lvl8pPr marL="1173587" indent="0">
+              <a:buNone/>
+              <a:defRPr sz="587" b="1"/>
             </a:lvl8pPr>
-            <a:lvl9pPr marL="731520" indent="0">
-              <a:buNone/>
-              <a:defRPr sz="320" b="1"/>
+            <a:lvl9pPr marL="1341242" indent="0">
+              <a:buNone/>
+              <a:defRPr sz="587" b="1"/>
             </a:lvl9pPr>
           </a:lstStyle>
           <a:p>
@@ -1911,8 +1814,8 @@
         </p:nvSpPr>
         <p:spPr>
           <a:xfrm>
-            <a:off x="125968" y="952160"/>
-            <a:ext cx="773668" cy="1400485"/>
+            <a:off x="440889" y="918527"/>
+            <a:ext cx="2707838" cy="1351016"/>
           </a:xfrm>
         </p:spPr>
         <p:txBody>
@@ -1968,8 +1871,8 @@
         </p:nvSpPr>
         <p:spPr>
           <a:xfrm>
-            <a:off x="925830" y="638998"/>
-            <a:ext cx="777478" cy="313163"/>
+            <a:off x="3240405" y="616426"/>
+            <a:ext cx="2721174" cy="302101"/>
           </a:xfrm>
         </p:spPr>
         <p:txBody>
@@ -1977,39 +1880,39 @@
           <a:lstStyle>
             <a:lvl1pPr marL="0" indent="0">
               <a:buNone/>
-              <a:defRPr sz="480" b="1"/>
+              <a:defRPr sz="880" b="1"/>
             </a:lvl1pPr>
-            <a:lvl2pPr marL="91440" indent="0">
-              <a:buNone/>
-              <a:defRPr sz="400" b="1"/>
+            <a:lvl2pPr marL="167655" indent="0">
+              <a:buNone/>
+              <a:defRPr sz="733" b="1"/>
             </a:lvl2pPr>
-            <a:lvl3pPr marL="182880" indent="0">
-              <a:buNone/>
-              <a:defRPr sz="360" b="1"/>
+            <a:lvl3pPr marL="335310" indent="0">
+              <a:buNone/>
+              <a:defRPr sz="660" b="1"/>
             </a:lvl3pPr>
-            <a:lvl4pPr marL="274320" indent="0">
-              <a:buNone/>
-              <a:defRPr sz="320" b="1"/>
+            <a:lvl4pPr marL="502966" indent="0">
+              <a:buNone/>
+              <a:defRPr sz="587" b="1"/>
             </a:lvl4pPr>
-            <a:lvl5pPr marL="365760" indent="0">
-              <a:buNone/>
-              <a:defRPr sz="320" b="1"/>
+            <a:lvl5pPr marL="670621" indent="0">
+              <a:buNone/>
+              <a:defRPr sz="587" b="1"/>
             </a:lvl5pPr>
-            <a:lvl6pPr marL="457200" indent="0">
-              <a:buNone/>
-              <a:defRPr sz="320" b="1"/>
+            <a:lvl6pPr marL="838276" indent="0">
+              <a:buNone/>
+              <a:defRPr sz="587" b="1"/>
             </a:lvl6pPr>
-            <a:lvl7pPr marL="548640" indent="0">
-              <a:buNone/>
-              <a:defRPr sz="320" b="1"/>
+            <a:lvl7pPr marL="1005931" indent="0">
+              <a:buNone/>
+              <a:defRPr sz="587" b="1"/>
             </a:lvl7pPr>
-            <a:lvl8pPr marL="640080" indent="0">
-              <a:buNone/>
-              <a:defRPr sz="320" b="1"/>
+            <a:lvl8pPr marL="1173587" indent="0">
+              <a:buNone/>
+              <a:defRPr sz="587" b="1"/>
             </a:lvl8pPr>
-            <a:lvl9pPr marL="731520" indent="0">
-              <a:buNone/>
-              <a:defRPr sz="320" b="1"/>
+            <a:lvl9pPr marL="1341242" indent="0">
+              <a:buNone/>
+              <a:defRPr sz="587" b="1"/>
             </a:lvl9pPr>
           </a:lstStyle>
           <a:p>
@@ -2033,8 +1936,8 @@
         </p:nvSpPr>
         <p:spPr>
           <a:xfrm>
-            <a:off x="925830" y="952160"/>
-            <a:ext cx="777478" cy="1400485"/>
+            <a:off x="3240405" y="918527"/>
+            <a:ext cx="2721174" cy="1351016"/>
           </a:xfrm>
         </p:spPr>
         <p:txBody>
@@ -2095,7 +1998,7 @@
           <a:p>
             <a:fld id="{B2EC105D-F84F-4B0D-B186-F026FCD65647}" type="datetimeFigureOut">
               <a:rPr lang="en-US" smtClean="0"/>
-              <a:t>2/8/2023</a:t>
+              <a:t>2/21/2023</a:t>
             </a:fld>
             <a:endParaRPr lang="en-US"/>
           </a:p>
@@ -2146,7 +2049,7 @@
     </p:spTree>
     <p:extLst>
       <p:ext uri="{BB962C8B-B14F-4D97-AF65-F5344CB8AC3E}">
-        <p14:creationId xmlns:p14="http://schemas.microsoft.com/office/powerpoint/2010/main" val="1350371446"/>
+        <p14:creationId xmlns:p14="http://schemas.microsoft.com/office/powerpoint/2010/main" val="1526890675"/>
       </p:ext>
     </p:extLst>
   </p:cSld>
@@ -2213,7 +2116,7 @@
           <a:p>
             <a:fld id="{B2EC105D-F84F-4B0D-B186-F026FCD65647}" type="datetimeFigureOut">
               <a:rPr lang="en-US" smtClean="0"/>
-              <a:t>2/8/2023</a:t>
+              <a:t>2/21/2023</a:t>
             </a:fld>
             <a:endParaRPr lang="en-US"/>
           </a:p>
@@ -2264,7 +2167,7 @@
     </p:spTree>
     <p:extLst>
       <p:ext uri="{BB962C8B-B14F-4D97-AF65-F5344CB8AC3E}">
-        <p14:creationId xmlns:p14="http://schemas.microsoft.com/office/powerpoint/2010/main" val="239185095"/>
+        <p14:creationId xmlns:p14="http://schemas.microsoft.com/office/powerpoint/2010/main" val="3150829081"/>
       </p:ext>
     </p:extLst>
   </p:cSld>
@@ -2308,7 +2211,7 @@
           <a:p>
             <a:fld id="{B2EC105D-F84F-4B0D-B186-F026FCD65647}" type="datetimeFigureOut">
               <a:rPr lang="en-US" smtClean="0"/>
-              <a:t>2/8/2023</a:t>
+              <a:t>2/21/2023</a:t>
             </a:fld>
             <a:endParaRPr lang="en-US"/>
           </a:p>
@@ -2359,7 +2262,7 @@
     </p:spTree>
     <p:extLst>
       <p:ext uri="{BB962C8B-B14F-4D97-AF65-F5344CB8AC3E}">
-        <p14:creationId xmlns:p14="http://schemas.microsoft.com/office/powerpoint/2010/main" val="1146169521"/>
+        <p14:creationId xmlns:p14="http://schemas.microsoft.com/office/powerpoint/2010/main" val="3191909664"/>
       </p:ext>
     </p:extLst>
   </p:cSld>
@@ -2398,15 +2301,15 @@
         </p:nvSpPr>
         <p:spPr>
           <a:xfrm>
-            <a:off x="125968" y="173778"/>
-            <a:ext cx="589836" cy="608224"/>
+            <a:off x="440889" y="167640"/>
+            <a:ext cx="2064424" cy="586740"/>
           </a:xfrm>
         </p:spPr>
         <p:txBody>
           <a:bodyPr anchor="b"/>
           <a:lstStyle>
             <a:lvl1pPr>
-              <a:defRPr sz="640"/>
+              <a:defRPr sz="1173"/>
             </a:lvl1pPr>
           </a:lstStyle>
           <a:p>
@@ -2430,39 +2333,39 @@
         </p:nvSpPr>
         <p:spPr>
           <a:xfrm>
-            <a:off x="777478" y="375313"/>
-            <a:ext cx="925830" cy="1852429"/>
+            <a:off x="2721174" y="362056"/>
+            <a:ext cx="3240405" cy="1786996"/>
           </a:xfrm>
         </p:spPr>
         <p:txBody>
           <a:bodyPr/>
           <a:lstStyle>
             <a:lvl1pPr>
-              <a:defRPr sz="640"/>
+              <a:defRPr sz="1173"/>
             </a:lvl1pPr>
             <a:lvl2pPr>
-              <a:defRPr sz="560"/>
+              <a:defRPr sz="1027"/>
             </a:lvl2pPr>
             <a:lvl3pPr>
-              <a:defRPr sz="480"/>
+              <a:defRPr sz="880"/>
             </a:lvl3pPr>
             <a:lvl4pPr>
-              <a:defRPr sz="400"/>
+              <a:defRPr sz="733"/>
             </a:lvl4pPr>
             <a:lvl5pPr>
-              <a:defRPr sz="400"/>
+              <a:defRPr sz="733"/>
             </a:lvl5pPr>
             <a:lvl6pPr>
-              <a:defRPr sz="400"/>
+              <a:defRPr sz="733"/>
             </a:lvl6pPr>
             <a:lvl7pPr>
-              <a:defRPr sz="400"/>
+              <a:defRPr sz="733"/>
             </a:lvl7pPr>
             <a:lvl8pPr>
-              <a:defRPr sz="400"/>
+              <a:defRPr sz="733"/>
             </a:lvl8pPr>
             <a:lvl9pPr>
-              <a:defRPr sz="400"/>
+              <a:defRPr sz="733"/>
             </a:lvl9pPr>
           </a:lstStyle>
           <a:p>
@@ -2515,8 +2418,8 @@
         </p:nvSpPr>
         <p:spPr>
           <a:xfrm>
-            <a:off x="125968" y="782003"/>
-            <a:ext cx="589836" cy="1448756"/>
+            <a:off x="440889" y="754380"/>
+            <a:ext cx="2064424" cy="1397582"/>
           </a:xfrm>
         </p:spPr>
         <p:txBody>
@@ -2524,39 +2427,39 @@
           <a:lstStyle>
             <a:lvl1pPr marL="0" indent="0">
               <a:buNone/>
-              <a:defRPr sz="320"/>
+              <a:defRPr sz="587"/>
             </a:lvl1pPr>
-            <a:lvl2pPr marL="91440" indent="0">
-              <a:buNone/>
-              <a:defRPr sz="280"/>
+            <a:lvl2pPr marL="167655" indent="0">
+              <a:buNone/>
+              <a:defRPr sz="513"/>
             </a:lvl2pPr>
-            <a:lvl3pPr marL="182880" indent="0">
-              <a:buNone/>
-              <a:defRPr sz="240"/>
+            <a:lvl3pPr marL="335310" indent="0">
+              <a:buNone/>
+              <a:defRPr sz="440"/>
             </a:lvl3pPr>
-            <a:lvl4pPr marL="274320" indent="0">
-              <a:buNone/>
-              <a:defRPr sz="200"/>
+            <a:lvl4pPr marL="502966" indent="0">
+              <a:buNone/>
+              <a:defRPr sz="367"/>
             </a:lvl4pPr>
-            <a:lvl5pPr marL="365760" indent="0">
-              <a:buNone/>
-              <a:defRPr sz="200"/>
+            <a:lvl5pPr marL="670621" indent="0">
+              <a:buNone/>
+              <a:defRPr sz="367"/>
             </a:lvl5pPr>
-            <a:lvl6pPr marL="457200" indent="0">
-              <a:buNone/>
-              <a:defRPr sz="200"/>
+            <a:lvl6pPr marL="838276" indent="0">
+              <a:buNone/>
+              <a:defRPr sz="367"/>
             </a:lvl6pPr>
-            <a:lvl7pPr marL="548640" indent="0">
-              <a:buNone/>
-              <a:defRPr sz="200"/>
+            <a:lvl7pPr marL="1005931" indent="0">
+              <a:buNone/>
+              <a:defRPr sz="367"/>
             </a:lvl7pPr>
-            <a:lvl8pPr marL="640080" indent="0">
-              <a:buNone/>
-              <a:defRPr sz="200"/>
+            <a:lvl8pPr marL="1173587" indent="0">
+              <a:buNone/>
+              <a:defRPr sz="367"/>
             </a:lvl8pPr>
-            <a:lvl9pPr marL="731520" indent="0">
-              <a:buNone/>
-              <a:defRPr sz="200"/>
+            <a:lvl9pPr marL="1341242" indent="0">
+              <a:buNone/>
+              <a:defRPr sz="367"/>
             </a:lvl9pPr>
           </a:lstStyle>
           <a:p>
@@ -2585,7 +2488,7 @@
           <a:p>
             <a:fld id="{B2EC105D-F84F-4B0D-B186-F026FCD65647}" type="datetimeFigureOut">
               <a:rPr lang="en-US" smtClean="0"/>
-              <a:t>2/8/2023</a:t>
+              <a:t>2/21/2023</a:t>
             </a:fld>
             <a:endParaRPr lang="en-US"/>
           </a:p>
@@ -2636,7 +2539,7 @@
     </p:spTree>
     <p:extLst>
       <p:ext uri="{BB962C8B-B14F-4D97-AF65-F5344CB8AC3E}">
-        <p14:creationId xmlns:p14="http://schemas.microsoft.com/office/powerpoint/2010/main" val="3256725244"/>
+        <p14:creationId xmlns:p14="http://schemas.microsoft.com/office/powerpoint/2010/main" val="2699568999"/>
       </p:ext>
     </p:extLst>
   </p:cSld>
@@ -2675,15 +2578,15 @@
         </p:nvSpPr>
         <p:spPr>
           <a:xfrm>
-            <a:off x="125968" y="173778"/>
-            <a:ext cx="589836" cy="608224"/>
+            <a:off x="440889" y="167640"/>
+            <a:ext cx="2064424" cy="586740"/>
           </a:xfrm>
         </p:spPr>
         <p:txBody>
           <a:bodyPr anchor="b"/>
           <a:lstStyle>
             <a:lvl1pPr>
-              <a:defRPr sz="640"/>
+              <a:defRPr sz="1173"/>
             </a:lvl1pPr>
           </a:lstStyle>
           <a:p>
@@ -2707,8 +2610,8 @@
         </p:nvSpPr>
         <p:spPr>
           <a:xfrm>
-            <a:off x="777478" y="375313"/>
-            <a:ext cx="925830" cy="1852429"/>
+            <a:off x="2721174" y="362056"/>
+            <a:ext cx="3240405" cy="1786996"/>
           </a:xfrm>
         </p:spPr>
         <p:txBody>
@@ -2716,39 +2619,39 @@
           <a:lstStyle>
             <a:lvl1pPr marL="0" indent="0">
               <a:buNone/>
-              <a:defRPr sz="640"/>
+              <a:defRPr sz="1173"/>
             </a:lvl1pPr>
-            <a:lvl2pPr marL="91440" indent="0">
-              <a:buNone/>
-              <a:defRPr sz="560"/>
+            <a:lvl2pPr marL="167655" indent="0">
+              <a:buNone/>
+              <a:defRPr sz="1027"/>
             </a:lvl2pPr>
-            <a:lvl3pPr marL="182880" indent="0">
-              <a:buNone/>
-              <a:defRPr sz="480"/>
+            <a:lvl3pPr marL="335310" indent="0">
+              <a:buNone/>
+              <a:defRPr sz="880"/>
             </a:lvl3pPr>
-            <a:lvl4pPr marL="274320" indent="0">
-              <a:buNone/>
-              <a:defRPr sz="400"/>
+            <a:lvl4pPr marL="502966" indent="0">
+              <a:buNone/>
+              <a:defRPr sz="733"/>
             </a:lvl4pPr>
-            <a:lvl5pPr marL="365760" indent="0">
-              <a:buNone/>
-              <a:defRPr sz="400"/>
+            <a:lvl5pPr marL="670621" indent="0">
+              <a:buNone/>
+              <a:defRPr sz="733"/>
             </a:lvl5pPr>
-            <a:lvl6pPr marL="457200" indent="0">
-              <a:buNone/>
-              <a:defRPr sz="400"/>
+            <a:lvl6pPr marL="838276" indent="0">
+              <a:buNone/>
+              <a:defRPr sz="733"/>
             </a:lvl6pPr>
-            <a:lvl7pPr marL="548640" indent="0">
-              <a:buNone/>
-              <a:defRPr sz="400"/>
+            <a:lvl7pPr marL="1005931" indent="0">
+              <a:buNone/>
+              <a:defRPr sz="733"/>
             </a:lvl7pPr>
-            <a:lvl8pPr marL="640080" indent="0">
-              <a:buNone/>
-              <a:defRPr sz="400"/>
+            <a:lvl8pPr marL="1173587" indent="0">
+              <a:buNone/>
+              <a:defRPr sz="733"/>
             </a:lvl8pPr>
-            <a:lvl9pPr marL="731520" indent="0">
-              <a:buNone/>
-              <a:defRPr sz="400"/>
+            <a:lvl9pPr marL="1341242" indent="0">
+              <a:buNone/>
+              <a:defRPr sz="733"/>
             </a:lvl9pPr>
           </a:lstStyle>
           <a:p>
@@ -2772,8 +2675,8 @@
         </p:nvSpPr>
         <p:spPr>
           <a:xfrm>
-            <a:off x="125968" y="782003"/>
-            <a:ext cx="589836" cy="1448756"/>
+            <a:off x="440889" y="754380"/>
+            <a:ext cx="2064424" cy="1397582"/>
           </a:xfrm>
         </p:spPr>
         <p:txBody>
@@ -2781,39 +2684,39 @@
           <a:lstStyle>
             <a:lvl1pPr marL="0" indent="0">
               <a:buNone/>
-              <a:defRPr sz="320"/>
+              <a:defRPr sz="587"/>
             </a:lvl1pPr>
-            <a:lvl2pPr marL="91440" indent="0">
-              <a:buNone/>
-              <a:defRPr sz="280"/>
+            <a:lvl2pPr marL="167655" indent="0">
+              <a:buNone/>
+              <a:defRPr sz="513"/>
             </a:lvl2pPr>
-            <a:lvl3pPr marL="182880" indent="0">
-              <a:buNone/>
-              <a:defRPr sz="240"/>
+            <a:lvl3pPr marL="335310" indent="0">
+              <a:buNone/>
+              <a:defRPr sz="440"/>
             </a:lvl3pPr>
-            <a:lvl4pPr marL="274320" indent="0">
-              <a:buNone/>
-              <a:defRPr sz="200"/>
+            <a:lvl4pPr marL="502966" indent="0">
+              <a:buNone/>
+              <a:defRPr sz="367"/>
             </a:lvl4pPr>
-            <a:lvl5pPr marL="365760" indent="0">
-              <a:buNone/>
-              <a:defRPr sz="200"/>
+            <a:lvl5pPr marL="670621" indent="0">
+              <a:buNone/>
+              <a:defRPr sz="367"/>
             </a:lvl5pPr>
-            <a:lvl6pPr marL="457200" indent="0">
-              <a:buNone/>
-              <a:defRPr sz="200"/>
+            <a:lvl6pPr marL="838276" indent="0">
+              <a:buNone/>
+              <a:defRPr sz="367"/>
             </a:lvl6pPr>
-            <a:lvl7pPr marL="548640" indent="0">
-              <a:buNone/>
-              <a:defRPr sz="200"/>
+            <a:lvl7pPr marL="1005931" indent="0">
+              <a:buNone/>
+              <a:defRPr sz="367"/>
             </a:lvl7pPr>
-            <a:lvl8pPr marL="640080" indent="0">
-              <a:buNone/>
-              <a:defRPr sz="200"/>
+            <a:lvl8pPr marL="1173587" indent="0">
+              <a:buNone/>
+              <a:defRPr sz="367"/>
             </a:lvl8pPr>
-            <a:lvl9pPr marL="731520" indent="0">
-              <a:buNone/>
-              <a:defRPr sz="200"/>
+            <a:lvl9pPr marL="1341242" indent="0">
+              <a:buNone/>
+              <a:defRPr sz="367"/>
             </a:lvl9pPr>
           </a:lstStyle>
           <a:p>
@@ -2842,7 +2745,7 @@
           <a:p>
             <a:fld id="{B2EC105D-F84F-4B0D-B186-F026FCD65647}" type="datetimeFigureOut">
               <a:rPr lang="en-US" smtClean="0"/>
-              <a:t>2/8/2023</a:t>
+              <a:t>2/21/2023</a:t>
             </a:fld>
             <a:endParaRPr lang="en-US"/>
           </a:p>
@@ -2893,7 +2796,7 @@
     </p:spTree>
     <p:extLst>
       <p:ext uri="{BB962C8B-B14F-4D97-AF65-F5344CB8AC3E}">
-        <p14:creationId xmlns:p14="http://schemas.microsoft.com/office/powerpoint/2010/main" val="3137512946"/>
+        <p14:creationId xmlns:p14="http://schemas.microsoft.com/office/powerpoint/2010/main" val="652660274"/>
       </p:ext>
     </p:extLst>
   </p:cSld>
@@ -2937,8 +2840,8 @@
         </p:nvSpPr>
         <p:spPr>
           <a:xfrm>
-            <a:off x="125730" y="138782"/>
-            <a:ext cx="1577340" cy="503837"/>
+            <a:off x="440055" y="133879"/>
+            <a:ext cx="5520690" cy="486040"/>
           </a:xfrm>
           <a:prstGeom prst="rect">
             <a:avLst/>
@@ -2970,8 +2873,8 @@
         </p:nvSpPr>
         <p:spPr>
           <a:xfrm>
-            <a:off x="125730" y="693907"/>
-            <a:ext cx="1577340" cy="1653911"/>
+            <a:off x="440055" y="669396"/>
+            <a:ext cx="5520690" cy="1595491"/>
           </a:xfrm>
           <a:prstGeom prst="rect">
             <a:avLst/>
@@ -3032,8 +2935,8 @@
         </p:nvSpPr>
         <p:spPr>
           <a:xfrm>
-            <a:off x="125730" y="2416002"/>
-            <a:ext cx="411480" cy="138781"/>
+            <a:off x="440055" y="2330662"/>
+            <a:ext cx="1440180" cy="133879"/>
           </a:xfrm>
           <a:prstGeom prst="rect">
             <a:avLst/>
@@ -3043,7 +2946,7 @@
           <a:bodyPr vert="horz" lIns="91440" tIns="45720" rIns="91440" bIns="45720" rtlCol="0" anchor="ctr"/>
           <a:lstStyle>
             <a:lvl1pPr algn="l">
-              <a:defRPr sz="240">
+              <a:defRPr sz="440">
                 <a:solidFill>
                   <a:schemeClr val="tx1">
                     <a:tint val="75000"/>
@@ -3055,7 +2958,7 @@
           <a:p>
             <a:fld id="{B2EC105D-F84F-4B0D-B186-F026FCD65647}" type="datetimeFigureOut">
               <a:rPr lang="en-US" smtClean="0"/>
-              <a:t>2/8/2023</a:t>
+              <a:t>2/21/2023</a:t>
             </a:fld>
             <a:endParaRPr lang="en-US"/>
           </a:p>
@@ -3073,8 +2976,8 @@
         </p:nvSpPr>
         <p:spPr>
           <a:xfrm>
-            <a:off x="605790" y="2416002"/>
-            <a:ext cx="617220" cy="138781"/>
+            <a:off x="2120265" y="2330662"/>
+            <a:ext cx="2160270" cy="133879"/>
           </a:xfrm>
           <a:prstGeom prst="rect">
             <a:avLst/>
@@ -3084,7 +2987,7 @@
           <a:bodyPr vert="horz" lIns="91440" tIns="45720" rIns="91440" bIns="45720" rtlCol="0" anchor="ctr"/>
           <a:lstStyle>
             <a:lvl1pPr algn="ctr">
-              <a:defRPr sz="240">
+              <a:defRPr sz="440">
                 <a:solidFill>
                   <a:schemeClr val="tx1">
                     <a:tint val="75000"/>
@@ -3110,8 +3013,8 @@
         </p:nvSpPr>
         <p:spPr>
           <a:xfrm>
-            <a:off x="1291590" y="2416002"/>
-            <a:ext cx="411480" cy="138781"/>
+            <a:off x="4520565" y="2330662"/>
+            <a:ext cx="1440180" cy="133879"/>
           </a:xfrm>
           <a:prstGeom prst="rect">
             <a:avLst/>
@@ -3121,7 +3024,7 @@
           <a:bodyPr vert="horz" lIns="91440" tIns="45720" rIns="91440" bIns="45720" rtlCol="0" anchor="ctr"/>
           <a:lstStyle>
             <a:lvl1pPr algn="r">
-              <a:defRPr sz="240">
+              <a:defRPr sz="440">
                 <a:solidFill>
                   <a:schemeClr val="tx1">
                     <a:tint val="75000"/>
@@ -3142,27 +3045,27 @@
     </p:spTree>
     <p:extLst>
       <p:ext uri="{BB962C8B-B14F-4D97-AF65-F5344CB8AC3E}">
-        <p14:creationId xmlns:p14="http://schemas.microsoft.com/office/powerpoint/2010/main" val="2799088337"/>
+        <p14:creationId xmlns:p14="http://schemas.microsoft.com/office/powerpoint/2010/main" val="2230930851"/>
       </p:ext>
     </p:extLst>
   </p:cSld>
   <p:clrMap bg1="lt1" tx1="dk1" bg2="lt2" tx2="dk2" accent1="accent1" accent2="accent2" accent3="accent3" accent4="accent4" accent5="accent5" accent6="accent6" hlink="hlink" folHlink="folHlink"/>
   <p:sldLayoutIdLst>
-    <p:sldLayoutId id="2147483697" r:id="rId1"/>
-    <p:sldLayoutId id="2147483698" r:id="rId2"/>
-    <p:sldLayoutId id="2147483699" r:id="rId3"/>
-    <p:sldLayoutId id="2147483700" r:id="rId4"/>
-    <p:sldLayoutId id="2147483701" r:id="rId5"/>
-    <p:sldLayoutId id="2147483702" r:id="rId6"/>
-    <p:sldLayoutId id="2147483703" r:id="rId7"/>
-    <p:sldLayoutId id="2147483704" r:id="rId8"/>
-    <p:sldLayoutId id="2147483705" r:id="rId9"/>
-    <p:sldLayoutId id="2147483706" r:id="rId10"/>
-    <p:sldLayoutId id="2147483707" r:id="rId11"/>
+    <p:sldLayoutId id="2147483709" r:id="rId1"/>
+    <p:sldLayoutId id="2147483710" r:id="rId2"/>
+    <p:sldLayoutId id="2147483711" r:id="rId3"/>
+    <p:sldLayoutId id="2147483712" r:id="rId4"/>
+    <p:sldLayoutId id="2147483713" r:id="rId5"/>
+    <p:sldLayoutId id="2147483714" r:id="rId6"/>
+    <p:sldLayoutId id="2147483715" r:id="rId7"/>
+    <p:sldLayoutId id="2147483716" r:id="rId8"/>
+    <p:sldLayoutId id="2147483717" r:id="rId9"/>
+    <p:sldLayoutId id="2147483718" r:id="rId10"/>
+    <p:sldLayoutId id="2147483719" r:id="rId11"/>
   </p:sldLayoutIdLst>
   <p:txStyles>
     <p:titleStyle>
-      <a:lvl1pPr algn="l" defTabSz="182880" rtl="0" eaLnBrk="1" latinLnBrk="0" hangingPunct="1">
+      <a:lvl1pPr algn="l" defTabSz="335310" rtl="0" eaLnBrk="1" latinLnBrk="0" hangingPunct="1">
         <a:lnSpc>
           <a:spcPct val="90000"/>
         </a:lnSpc>
@@ -3170,7 +3073,7 @@
           <a:spcPct val="0"/>
         </a:spcBef>
         <a:buNone/>
-        <a:defRPr sz="880" kern="1200">
+        <a:defRPr sz="1613" kern="1200">
           <a:solidFill>
             <a:schemeClr val="tx1"/>
           </a:solidFill>
@@ -3181,16 +3084,16 @@
       </a:lvl1pPr>
     </p:titleStyle>
     <p:bodyStyle>
-      <a:lvl1pPr marL="45720" indent="-45720" algn="l" defTabSz="182880" rtl="0" eaLnBrk="1" latinLnBrk="0" hangingPunct="1">
+      <a:lvl1pPr marL="83828" indent="-83828" algn="l" defTabSz="335310" rtl="0" eaLnBrk="1" latinLnBrk="0" hangingPunct="1">
         <a:lnSpc>
           <a:spcPct val="90000"/>
         </a:lnSpc>
         <a:spcBef>
-          <a:spcPts val="200"/>
+          <a:spcPts val="367"/>
         </a:spcBef>
         <a:buFont typeface="Arial" panose="020B0604020202020204" pitchFamily="34" charset="0"/>
         <a:buChar char="•"/>
-        <a:defRPr sz="560" kern="1200">
+        <a:defRPr sz="1027" kern="1200">
           <a:solidFill>
             <a:schemeClr val="tx1"/>
           </a:solidFill>
@@ -3199,16 +3102,16 @@
           <a:cs typeface="+mn-cs"/>
         </a:defRPr>
       </a:lvl1pPr>
-      <a:lvl2pPr marL="137160" indent="-45720" algn="l" defTabSz="182880" rtl="0" eaLnBrk="1" latinLnBrk="0" hangingPunct="1">
+      <a:lvl2pPr marL="251483" indent="-83828" algn="l" defTabSz="335310" rtl="0" eaLnBrk="1" latinLnBrk="0" hangingPunct="1">
         <a:lnSpc>
           <a:spcPct val="90000"/>
         </a:lnSpc>
         <a:spcBef>
-          <a:spcPts val="100"/>
+          <a:spcPts val="183"/>
         </a:spcBef>
         <a:buFont typeface="Arial" panose="020B0604020202020204" pitchFamily="34" charset="0"/>
         <a:buChar char="•"/>
-        <a:defRPr sz="480" kern="1200">
+        <a:defRPr sz="880" kern="1200">
           <a:solidFill>
             <a:schemeClr val="tx1"/>
           </a:solidFill>
@@ -3217,16 +3120,16 @@
           <a:cs typeface="+mn-cs"/>
         </a:defRPr>
       </a:lvl2pPr>
-      <a:lvl3pPr marL="228600" indent="-45720" algn="l" defTabSz="182880" rtl="0" eaLnBrk="1" latinLnBrk="0" hangingPunct="1">
+      <a:lvl3pPr marL="419138" indent="-83828" algn="l" defTabSz="335310" rtl="0" eaLnBrk="1" latinLnBrk="0" hangingPunct="1">
         <a:lnSpc>
           <a:spcPct val="90000"/>
         </a:lnSpc>
         <a:spcBef>
-          <a:spcPts val="100"/>
+          <a:spcPts val="183"/>
         </a:spcBef>
         <a:buFont typeface="Arial" panose="020B0604020202020204" pitchFamily="34" charset="0"/>
         <a:buChar char="•"/>
-        <a:defRPr sz="400" kern="1200">
+        <a:defRPr sz="733" kern="1200">
           <a:solidFill>
             <a:schemeClr val="tx1"/>
           </a:solidFill>
@@ -3235,16 +3138,16 @@
           <a:cs typeface="+mn-cs"/>
         </a:defRPr>
       </a:lvl3pPr>
-      <a:lvl4pPr marL="320040" indent="-45720" algn="l" defTabSz="182880" rtl="0" eaLnBrk="1" latinLnBrk="0" hangingPunct="1">
+      <a:lvl4pPr marL="586793" indent="-83828" algn="l" defTabSz="335310" rtl="0" eaLnBrk="1" latinLnBrk="0" hangingPunct="1">
         <a:lnSpc>
           <a:spcPct val="90000"/>
         </a:lnSpc>
         <a:spcBef>
-          <a:spcPts val="100"/>
+          <a:spcPts val="183"/>
         </a:spcBef>
         <a:buFont typeface="Arial" panose="020B0604020202020204" pitchFamily="34" charset="0"/>
         <a:buChar char="•"/>
-        <a:defRPr sz="360" kern="1200">
+        <a:defRPr sz="660" kern="1200">
           <a:solidFill>
             <a:schemeClr val="tx1"/>
           </a:solidFill>
@@ -3253,16 +3156,16 @@
           <a:cs typeface="+mn-cs"/>
         </a:defRPr>
       </a:lvl4pPr>
-      <a:lvl5pPr marL="411480" indent="-45720" algn="l" defTabSz="182880" rtl="0" eaLnBrk="1" latinLnBrk="0" hangingPunct="1">
+      <a:lvl5pPr marL="754449" indent="-83828" algn="l" defTabSz="335310" rtl="0" eaLnBrk="1" latinLnBrk="0" hangingPunct="1">
         <a:lnSpc>
           <a:spcPct val="90000"/>
         </a:lnSpc>
         <a:spcBef>
-          <a:spcPts val="100"/>
+          <a:spcPts val="183"/>
         </a:spcBef>
         <a:buFont typeface="Arial" panose="020B0604020202020204" pitchFamily="34" charset="0"/>
         <a:buChar char="•"/>
-        <a:defRPr sz="360" kern="1200">
+        <a:defRPr sz="660" kern="1200">
           <a:solidFill>
             <a:schemeClr val="tx1"/>
           </a:solidFill>
@@ -3271,16 +3174,16 @@
           <a:cs typeface="+mn-cs"/>
         </a:defRPr>
       </a:lvl5pPr>
-      <a:lvl6pPr marL="502920" indent="-45720" algn="l" defTabSz="182880" rtl="0" eaLnBrk="1" latinLnBrk="0" hangingPunct="1">
+      <a:lvl6pPr marL="922104" indent="-83828" algn="l" defTabSz="335310" rtl="0" eaLnBrk="1" latinLnBrk="0" hangingPunct="1">
         <a:lnSpc>
           <a:spcPct val="90000"/>
         </a:lnSpc>
         <a:spcBef>
-          <a:spcPts val="100"/>
+          <a:spcPts val="183"/>
         </a:spcBef>
         <a:buFont typeface="Arial" panose="020B0604020202020204" pitchFamily="34" charset="0"/>
         <a:buChar char="•"/>
-        <a:defRPr sz="360" kern="1200">
+        <a:defRPr sz="660" kern="1200">
           <a:solidFill>
             <a:schemeClr val="tx1"/>
           </a:solidFill>
@@ -3289,16 +3192,16 @@
           <a:cs typeface="+mn-cs"/>
         </a:defRPr>
       </a:lvl6pPr>
-      <a:lvl7pPr marL="594360" indent="-45720" algn="l" defTabSz="182880" rtl="0" eaLnBrk="1" latinLnBrk="0" hangingPunct="1">
+      <a:lvl7pPr marL="1089759" indent="-83828" algn="l" defTabSz="335310" rtl="0" eaLnBrk="1" latinLnBrk="0" hangingPunct="1">
         <a:lnSpc>
           <a:spcPct val="90000"/>
         </a:lnSpc>
         <a:spcBef>
-          <a:spcPts val="100"/>
+          <a:spcPts val="183"/>
         </a:spcBef>
         <a:buFont typeface="Arial" panose="020B0604020202020204" pitchFamily="34" charset="0"/>
         <a:buChar char="•"/>
-        <a:defRPr sz="360" kern="1200">
+        <a:defRPr sz="660" kern="1200">
           <a:solidFill>
             <a:schemeClr val="tx1"/>
           </a:solidFill>
@@ -3307,16 +3210,16 @@
           <a:cs typeface="+mn-cs"/>
         </a:defRPr>
       </a:lvl7pPr>
-      <a:lvl8pPr marL="685800" indent="-45720" algn="l" defTabSz="182880" rtl="0" eaLnBrk="1" latinLnBrk="0" hangingPunct="1">
+      <a:lvl8pPr marL="1257414" indent="-83828" algn="l" defTabSz="335310" rtl="0" eaLnBrk="1" latinLnBrk="0" hangingPunct="1">
         <a:lnSpc>
           <a:spcPct val="90000"/>
         </a:lnSpc>
         <a:spcBef>
-          <a:spcPts val="100"/>
+          <a:spcPts val="183"/>
         </a:spcBef>
         <a:buFont typeface="Arial" panose="020B0604020202020204" pitchFamily="34" charset="0"/>
         <a:buChar char="•"/>
-        <a:defRPr sz="360" kern="1200">
+        <a:defRPr sz="660" kern="1200">
           <a:solidFill>
             <a:schemeClr val="tx1"/>
           </a:solidFill>
@@ -3325,16 +3228,16 @@
           <a:cs typeface="+mn-cs"/>
         </a:defRPr>
       </a:lvl8pPr>
-      <a:lvl9pPr marL="777240" indent="-45720" algn="l" defTabSz="182880" rtl="0" eaLnBrk="1" latinLnBrk="0" hangingPunct="1">
+      <a:lvl9pPr marL="1425070" indent="-83828" algn="l" defTabSz="335310" rtl="0" eaLnBrk="1" latinLnBrk="0" hangingPunct="1">
         <a:lnSpc>
           <a:spcPct val="90000"/>
         </a:lnSpc>
         <a:spcBef>
-          <a:spcPts val="100"/>
+          <a:spcPts val="183"/>
         </a:spcBef>
         <a:buFont typeface="Arial" panose="020B0604020202020204" pitchFamily="34" charset="0"/>
         <a:buChar char="•"/>
-        <a:defRPr sz="360" kern="1200">
+        <a:defRPr sz="660" kern="1200">
           <a:solidFill>
             <a:schemeClr val="tx1"/>
           </a:solidFill>
@@ -3348,8 +3251,8 @@
       <a:defPPr>
         <a:defRPr lang="en-US"/>
       </a:defPPr>
-      <a:lvl1pPr marL="0" algn="l" defTabSz="182880" rtl="0" eaLnBrk="1" latinLnBrk="0" hangingPunct="1">
-        <a:defRPr sz="360" kern="1200">
+      <a:lvl1pPr marL="0" algn="l" defTabSz="335310" rtl="0" eaLnBrk="1" latinLnBrk="0" hangingPunct="1">
+        <a:defRPr sz="660" kern="1200">
           <a:solidFill>
             <a:schemeClr val="tx1"/>
           </a:solidFill>
@@ -3358,8 +3261,8 @@
           <a:cs typeface="+mn-cs"/>
         </a:defRPr>
       </a:lvl1pPr>
-      <a:lvl2pPr marL="91440" algn="l" defTabSz="182880" rtl="0" eaLnBrk="1" latinLnBrk="0" hangingPunct="1">
-        <a:defRPr sz="360" kern="1200">
+      <a:lvl2pPr marL="167655" algn="l" defTabSz="335310" rtl="0" eaLnBrk="1" latinLnBrk="0" hangingPunct="1">
+        <a:defRPr sz="660" kern="1200">
           <a:solidFill>
             <a:schemeClr val="tx1"/>
           </a:solidFill>
@@ -3368,8 +3271,8 @@
           <a:cs typeface="+mn-cs"/>
         </a:defRPr>
       </a:lvl2pPr>
-      <a:lvl3pPr marL="182880" algn="l" defTabSz="182880" rtl="0" eaLnBrk="1" latinLnBrk="0" hangingPunct="1">
-        <a:defRPr sz="360" kern="1200">
+      <a:lvl3pPr marL="335310" algn="l" defTabSz="335310" rtl="0" eaLnBrk="1" latinLnBrk="0" hangingPunct="1">
+        <a:defRPr sz="660" kern="1200">
           <a:solidFill>
             <a:schemeClr val="tx1"/>
           </a:solidFill>
@@ -3378,8 +3281,8 @@
           <a:cs typeface="+mn-cs"/>
         </a:defRPr>
       </a:lvl3pPr>
-      <a:lvl4pPr marL="274320" algn="l" defTabSz="182880" rtl="0" eaLnBrk="1" latinLnBrk="0" hangingPunct="1">
-        <a:defRPr sz="360" kern="1200">
+      <a:lvl4pPr marL="502966" algn="l" defTabSz="335310" rtl="0" eaLnBrk="1" latinLnBrk="0" hangingPunct="1">
+        <a:defRPr sz="660" kern="1200">
           <a:solidFill>
             <a:schemeClr val="tx1"/>
           </a:solidFill>
@@ -3388,8 +3291,8 @@
           <a:cs typeface="+mn-cs"/>
         </a:defRPr>
       </a:lvl4pPr>
-      <a:lvl5pPr marL="365760" algn="l" defTabSz="182880" rtl="0" eaLnBrk="1" latinLnBrk="0" hangingPunct="1">
-        <a:defRPr sz="360" kern="1200">
+      <a:lvl5pPr marL="670621" algn="l" defTabSz="335310" rtl="0" eaLnBrk="1" latinLnBrk="0" hangingPunct="1">
+        <a:defRPr sz="660" kern="1200">
           <a:solidFill>
             <a:schemeClr val="tx1"/>
           </a:solidFill>
@@ -3398,8 +3301,8 @@
           <a:cs typeface="+mn-cs"/>
         </a:defRPr>
       </a:lvl5pPr>
-      <a:lvl6pPr marL="457200" algn="l" defTabSz="182880" rtl="0" eaLnBrk="1" latinLnBrk="0" hangingPunct="1">
-        <a:defRPr sz="360" kern="1200">
+      <a:lvl6pPr marL="838276" algn="l" defTabSz="335310" rtl="0" eaLnBrk="1" latinLnBrk="0" hangingPunct="1">
+        <a:defRPr sz="660" kern="1200">
           <a:solidFill>
             <a:schemeClr val="tx1"/>
           </a:solidFill>
@@ -3408,8 +3311,8 @@
           <a:cs typeface="+mn-cs"/>
         </a:defRPr>
       </a:lvl6pPr>
-      <a:lvl7pPr marL="548640" algn="l" defTabSz="182880" rtl="0" eaLnBrk="1" latinLnBrk="0" hangingPunct="1">
-        <a:defRPr sz="360" kern="1200">
+      <a:lvl7pPr marL="1005931" algn="l" defTabSz="335310" rtl="0" eaLnBrk="1" latinLnBrk="0" hangingPunct="1">
+        <a:defRPr sz="660" kern="1200">
           <a:solidFill>
             <a:schemeClr val="tx1"/>
           </a:solidFill>
@@ -3418,8 +3321,8 @@
           <a:cs typeface="+mn-cs"/>
         </a:defRPr>
       </a:lvl7pPr>
-      <a:lvl8pPr marL="640080" algn="l" defTabSz="182880" rtl="0" eaLnBrk="1" latinLnBrk="0" hangingPunct="1">
-        <a:defRPr sz="360" kern="1200">
+      <a:lvl8pPr marL="1173587" algn="l" defTabSz="335310" rtl="0" eaLnBrk="1" latinLnBrk="0" hangingPunct="1">
+        <a:defRPr sz="660" kern="1200">
           <a:solidFill>
             <a:schemeClr val="tx1"/>
           </a:solidFill>
@@ -3428,8 +3331,8 @@
           <a:cs typeface="+mn-cs"/>
         </a:defRPr>
       </a:lvl8pPr>
-      <a:lvl9pPr marL="731520" algn="l" defTabSz="182880" rtl="0" eaLnBrk="1" latinLnBrk="0" hangingPunct="1">
-        <a:defRPr sz="360" kern="1200">
+      <a:lvl9pPr marL="1341242" algn="l" defTabSz="335310" rtl="0" eaLnBrk="1" latinLnBrk="0" hangingPunct="1">
+        <a:defRPr sz="660" kern="1200">
           <a:solidFill>
             <a:schemeClr val="tx1"/>
           </a:solidFill>
@@ -3462,7 +3365,7 @@
       </p:grpSpPr>
       <p:graphicFrame>
         <p:nvGraphicFramePr>
-          <p:cNvPr id="6" name="Chart 5">
+          <p:cNvPr id="4" name="Chart 3">
             <a:extLst>
               <a:ext uri="{FF2B5EF4-FFF2-40B4-BE49-F238E27FC236}">
                 <a16:creationId xmlns:a16="http://schemas.microsoft.com/office/drawing/2014/main" id="{D6FE03A0-5140-49F0-A55E-77A61EB5F88F}"/>
@@ -3475,14 +3378,14 @@
           <p:nvPr>
             <p:extLst>
               <p:ext uri="{D42A27DB-BD31-4B8C-83A1-F6EECF244321}">
-                <p14:modId xmlns:p14="http://schemas.microsoft.com/office/powerpoint/2010/main" val="170025617"/>
+                <p14:modId xmlns:p14="http://schemas.microsoft.com/office/powerpoint/2010/main" val="2192437091"/>
               </p:ext>
             </p:extLst>
           </p:nvPr>
         </p:nvGraphicFramePr>
         <p:xfrm>
           <a:off x="0" y="0"/>
-          <a:ext cx="1828800" cy="2606675"/>
+          <a:ext cx="6400800" cy="2514600"/>
         </p:xfrm>
         <a:graphic>
           <a:graphicData uri="http://schemas.openxmlformats.org/drawingml/2006/chart">

--- a/images/predicted_collisions.pptx
+++ b/images/predicted_collisions.pptx
@@ -139,7 +139,7 @@
           <c:order val="0"/>
           <c:tx>
             <c:strRef>
-              <c:f>'Programming Obstacles'!$I$34</c:f>
+              <c:f>'Programming Obstacles'!$B$79</c:f>
               <c:strCache>
                 <c:ptCount val="1"/>
                 <c:pt idx="0">
@@ -163,7 +163,7 @@
           <c:invertIfNegative val="0"/>
           <c:cat>
             <c:strRef>
-              <c:f>'Programming Obstacles'!$J$33:$K$33</c:f>
+              <c:f>'Programming Obstacles'!$C$78:$D$78</c:f>
               <c:strCache>
                 <c:ptCount val="2"/>
                 <c:pt idx="0">
@@ -177,7 +177,7 @@
           </c:cat>
           <c:val>
             <c:numRef>
-              <c:f>'Programming Obstacles'!$J$34:$K$34</c:f>
+              <c:f>'Programming Obstacles'!$C$79:$D$79</c:f>
               <c:numCache>
                 <c:formatCode>General</c:formatCode>
                 <c:ptCount val="2"/>
@@ -192,7 +192,7 @@
           </c:val>
           <c:extLst>
             <c:ext xmlns:c16="http://schemas.microsoft.com/office/drawing/2014/chart" uri="{C3380CC4-5D6E-409C-BE32-E72D297353CC}">
-              <c16:uniqueId val="{00000000-D6D3-442B-A28A-A26DF7ACBCAA}"/>
+              <c16:uniqueId val="{00000000-017A-4F98-B1F7-5BC35BC4BC85}"/>
             </c:ext>
           </c:extLst>
         </c:ser>
@@ -201,7 +201,7 @@
           <c:order val="1"/>
           <c:tx>
             <c:strRef>
-              <c:f>'Programming Obstacles'!$I$35</c:f>
+              <c:f>'Programming Obstacles'!$B$80</c:f>
               <c:strCache>
                 <c:ptCount val="1"/>
                 <c:pt idx="0">
@@ -231,7 +231,7 @@
           </c:errBars>
           <c:cat>
             <c:strRef>
-              <c:f>'Programming Obstacles'!$J$33:$K$33</c:f>
+              <c:f>'Programming Obstacles'!$C$78:$D$78</c:f>
               <c:strCache>
                 <c:ptCount val="2"/>
                 <c:pt idx="0">
@@ -245,7 +245,7 @@
           </c:cat>
           <c:val>
             <c:numRef>
-              <c:f>'Programming Obstacles'!$J$35:$K$35</c:f>
+              <c:f>'Programming Obstacles'!$C$80:$D$80</c:f>
               <c:numCache>
                 <c:formatCode>General</c:formatCode>
                 <c:ptCount val="2"/>
@@ -260,7 +260,7 @@
           </c:val>
           <c:extLst>
             <c:ext xmlns:c16="http://schemas.microsoft.com/office/drawing/2014/chart" uri="{C3380CC4-5D6E-409C-BE32-E72D297353CC}">
-              <c16:uniqueId val="{00000001-D6D3-442B-A28A-A26DF7ACBCAA}"/>
+              <c16:uniqueId val="{00000001-017A-4F98-B1F7-5BC35BC4BC85}"/>
             </c:ext>
           </c:extLst>
         </c:ser>
@@ -269,7 +269,7 @@
           <c:order val="2"/>
           <c:tx>
             <c:strRef>
-              <c:f>'Programming Obstacles'!$I$36</c:f>
+              <c:f>'Programming Obstacles'!$B$81</c:f>
               <c:strCache>
                 <c:ptCount val="1"/>
                 <c:pt idx="0">
@@ -288,7 +288,7 @@
           <c:invertIfNegative val="0"/>
           <c:cat>
             <c:strRef>
-              <c:f>'Programming Obstacles'!$J$33:$K$33</c:f>
+              <c:f>'Programming Obstacles'!$C$78:$D$78</c:f>
               <c:strCache>
                 <c:ptCount val="2"/>
                 <c:pt idx="0">
@@ -302,7 +302,7 @@
           </c:cat>
           <c:val>
             <c:numRef>
-              <c:f>'Programming Obstacles'!$J$36:$K$36</c:f>
+              <c:f>'Programming Obstacles'!$C$81:$D$81</c:f>
               <c:numCache>
                 <c:formatCode>General</c:formatCode>
                 <c:ptCount val="2"/>
@@ -317,7 +317,7 @@
           </c:val>
           <c:extLst>
             <c:ext xmlns:c16="http://schemas.microsoft.com/office/drawing/2014/chart" uri="{C3380CC4-5D6E-409C-BE32-E72D297353CC}">
-              <c16:uniqueId val="{00000002-D6D3-442B-A28A-A26DF7ACBCAA}"/>
+              <c16:uniqueId val="{00000002-017A-4F98-B1F7-5BC35BC4BC85}"/>
             </c:ext>
           </c:extLst>
         </c:ser>
@@ -326,7 +326,7 @@
           <c:order val="3"/>
           <c:tx>
             <c:strRef>
-              <c:f>'Programming Obstacles'!$I$37</c:f>
+              <c:f>'Programming Obstacles'!$B$82</c:f>
               <c:strCache>
                 <c:ptCount val="1"/>
                 <c:pt idx="0">
@@ -352,12 +352,12 @@
             <c:noEndCap val="0"/>
             <c:plus>
               <c:numRef>
-                <c:f>'Programming Obstacles'!$J$38:$K$38</c:f>
+                <c:f>'Programming Obstacles'!$C$83:$D$83</c:f>
                 <c:numCache>
                   <c:formatCode>General</c:formatCode>
                   <c:ptCount val="2"/>
                   <c:pt idx="0">
-                    <c:v>3</c:v>
+                    <c:v>3.25</c:v>
                   </c:pt>
                   <c:pt idx="1">
                     <c:v>6</c:v>
@@ -371,7 +371,7 @@
           </c:errBars>
           <c:cat>
             <c:strRef>
-              <c:f>'Programming Obstacles'!$J$33:$K$33</c:f>
+              <c:f>'Programming Obstacles'!$C$78:$D$78</c:f>
               <c:strCache>
                 <c:ptCount val="2"/>
                 <c:pt idx="0">
@@ -385,12 +385,12 @@
           </c:cat>
           <c:val>
             <c:numRef>
-              <c:f>'Programming Obstacles'!$J$37:$K$37</c:f>
+              <c:f>'Programming Obstacles'!$C$82:$D$82</c:f>
               <c:numCache>
                 <c:formatCode>General</c:formatCode>
                 <c:ptCount val="2"/>
                 <c:pt idx="0">
-                  <c:v>5</c:v>
+                  <c:v>4.75</c:v>
                 </c:pt>
                 <c:pt idx="1">
                   <c:v>2</c:v>
@@ -400,7 +400,7 @@
           </c:val>
           <c:extLst>
             <c:ext xmlns:c16="http://schemas.microsoft.com/office/drawing/2014/chart" uri="{C3380CC4-5D6E-409C-BE32-E72D297353CC}">
-              <c16:uniqueId val="{00000003-D6D3-442B-A28A-A26DF7ACBCAA}"/>
+              <c16:uniqueId val="{00000003-017A-4F98-B1F7-5BC35BC4BC85}"/>
             </c:ext>
           </c:extLst>
         </c:ser>
@@ -451,13 +451,66 @@
               <a:bodyPr/>
               <a:lstStyle/>
               <a:p>
-                <a:pPr>
-                  <a:defRPr/>
+                <a:pPr marL="0" marR="0" lvl="0" indent="0" algn="ctr" defTabSz="914400" rtl="0" eaLnBrk="1" fontAlgn="auto" latinLnBrk="0" hangingPunct="1">
+                  <a:lnSpc>
+                    <a:spcPct val="100000"/>
+                  </a:lnSpc>
+                  <a:spcBef>
+                    <a:spcPts val="0"/>
+                  </a:spcBef>
+                  <a:spcAft>
+                    <a:spcPts val="0"/>
+                  </a:spcAft>
+                  <a:buClrTx/>
+                  <a:buSzTx/>
+                  <a:buFontTx/>
+                  <a:buNone/>
+                  <a:tabLst/>
+                  <a:defRPr sz="2000" b="1" i="0" u="none" strike="noStrike" kern="1200" baseline="0">
+                    <a:solidFill>
+                      <a:sysClr val="windowText" lastClr="000000"/>
+                    </a:solidFill>
+                    <a:latin typeface="+mn-lt"/>
+                    <a:ea typeface="+mn-ea"/>
+                    <a:cs typeface="+mn-cs"/>
+                  </a:defRPr>
                 </a:pPr>
                 <a:r>
-                  <a:rPr lang="en-US" b="0" dirty="0"/>
-                  <a:t>Occurrences</a:t>
+                  <a:rPr lang="en-US" sz="1800" b="0" i="0" baseline="0">
+                    <a:effectLst/>
+                  </a:rPr>
+                  <a:t># Occurrences</a:t>
                 </a:r>
+                <a:endParaRPr lang="en-US">
+                  <a:effectLst/>
+                </a:endParaRPr>
+              </a:p>
+              <a:p>
+                <a:pPr marL="0" marR="0" lvl="0" indent="0" algn="ctr" defTabSz="914400" rtl="0" eaLnBrk="1" fontAlgn="auto" latinLnBrk="0" hangingPunct="1">
+                  <a:lnSpc>
+                    <a:spcPct val="100000"/>
+                  </a:lnSpc>
+                  <a:spcBef>
+                    <a:spcPts val="0"/>
+                  </a:spcBef>
+                  <a:spcAft>
+                    <a:spcPts val="0"/>
+                  </a:spcAft>
+                  <a:buClrTx/>
+                  <a:buSzTx/>
+                  <a:buFontTx/>
+                  <a:buNone/>
+                  <a:tabLst/>
+                  <a:defRPr sz="2000" b="1" i="0" u="none" strike="noStrike" kern="1200" baseline="0">
+                    <a:solidFill>
+                      <a:sysClr val="windowText" lastClr="000000"/>
+                    </a:solidFill>
+                    <a:latin typeface="+mn-lt"/>
+                    <a:ea typeface="+mn-ea"/>
+                    <a:cs typeface="+mn-cs"/>
+                  </a:defRPr>
+                </a:pPr>
+                <a:endParaRPr lang="en-US"/>
               </a:p>
             </c:rich>
           </c:tx>
@@ -471,7 +524,6 @@
         <c:crosses val="autoZero"/>
         <c:crossBetween val="between"/>
         <c:majorUnit val="5"/>
-        <c:minorUnit val="5"/>
       </c:valAx>
       <c:spPr>
         <a:solidFill>
@@ -633,7 +685,7 @@
           <a:p>
             <a:fld id="{B2EC105D-F84F-4B0D-B186-F026FCD65647}" type="datetimeFigureOut">
               <a:rPr lang="en-US" smtClean="0"/>
-              <a:t>2/21/2023</a:t>
+              <a:t>2/22/2023</a:t>
             </a:fld>
             <a:endParaRPr lang="en-US"/>
           </a:p>
@@ -803,7 +855,7 @@
           <a:p>
             <a:fld id="{B2EC105D-F84F-4B0D-B186-F026FCD65647}" type="datetimeFigureOut">
               <a:rPr lang="en-US" smtClean="0"/>
-              <a:t>2/21/2023</a:t>
+              <a:t>2/22/2023</a:t>
             </a:fld>
             <a:endParaRPr lang="en-US"/>
           </a:p>
@@ -983,7 +1035,7 @@
           <a:p>
             <a:fld id="{B2EC105D-F84F-4B0D-B186-F026FCD65647}" type="datetimeFigureOut">
               <a:rPr lang="en-US" smtClean="0"/>
-              <a:t>2/21/2023</a:t>
+              <a:t>2/22/2023</a:t>
             </a:fld>
             <a:endParaRPr lang="en-US"/>
           </a:p>
@@ -1153,7 +1205,7 @@
           <a:p>
             <a:fld id="{B2EC105D-F84F-4B0D-B186-F026FCD65647}" type="datetimeFigureOut">
               <a:rPr lang="en-US" smtClean="0"/>
-              <a:t>2/21/2023</a:t>
+              <a:t>2/22/2023</a:t>
             </a:fld>
             <a:endParaRPr lang="en-US"/>
           </a:p>
@@ -1399,7 +1451,7 @@
           <a:p>
             <a:fld id="{B2EC105D-F84F-4B0D-B186-F026FCD65647}" type="datetimeFigureOut">
               <a:rPr lang="en-US" smtClean="0"/>
-              <a:t>2/21/2023</a:t>
+              <a:t>2/22/2023</a:t>
             </a:fld>
             <a:endParaRPr lang="en-US"/>
           </a:p>
@@ -1631,7 +1683,7 @@
           <a:p>
             <a:fld id="{B2EC105D-F84F-4B0D-B186-F026FCD65647}" type="datetimeFigureOut">
               <a:rPr lang="en-US" smtClean="0"/>
-              <a:t>2/21/2023</a:t>
+              <a:t>2/22/2023</a:t>
             </a:fld>
             <a:endParaRPr lang="en-US"/>
           </a:p>
@@ -1998,7 +2050,7 @@
           <a:p>
             <a:fld id="{B2EC105D-F84F-4B0D-B186-F026FCD65647}" type="datetimeFigureOut">
               <a:rPr lang="en-US" smtClean="0"/>
-              <a:t>2/21/2023</a:t>
+              <a:t>2/22/2023</a:t>
             </a:fld>
             <a:endParaRPr lang="en-US"/>
           </a:p>
@@ -2116,7 +2168,7 @@
           <a:p>
             <a:fld id="{B2EC105D-F84F-4B0D-B186-F026FCD65647}" type="datetimeFigureOut">
               <a:rPr lang="en-US" smtClean="0"/>
-              <a:t>2/21/2023</a:t>
+              <a:t>2/22/2023</a:t>
             </a:fld>
             <a:endParaRPr lang="en-US"/>
           </a:p>
@@ -2211,7 +2263,7 @@
           <a:p>
             <a:fld id="{B2EC105D-F84F-4B0D-B186-F026FCD65647}" type="datetimeFigureOut">
               <a:rPr lang="en-US" smtClean="0"/>
-              <a:t>2/21/2023</a:t>
+              <a:t>2/22/2023</a:t>
             </a:fld>
             <a:endParaRPr lang="en-US"/>
           </a:p>
@@ -2488,7 +2540,7 @@
           <a:p>
             <a:fld id="{B2EC105D-F84F-4B0D-B186-F026FCD65647}" type="datetimeFigureOut">
               <a:rPr lang="en-US" smtClean="0"/>
-              <a:t>2/21/2023</a:t>
+              <a:t>2/22/2023</a:t>
             </a:fld>
             <a:endParaRPr lang="en-US"/>
           </a:p>
@@ -2745,7 +2797,7 @@
           <a:p>
             <a:fld id="{B2EC105D-F84F-4B0D-B186-F026FCD65647}" type="datetimeFigureOut">
               <a:rPr lang="en-US" smtClean="0"/>
-              <a:t>2/21/2023</a:t>
+              <a:t>2/22/2023</a:t>
             </a:fld>
             <a:endParaRPr lang="en-US"/>
           </a:p>
@@ -2958,7 +3010,7 @@
           <a:p>
             <a:fld id="{B2EC105D-F84F-4B0D-B186-F026FCD65647}" type="datetimeFigureOut">
               <a:rPr lang="en-US" smtClean="0"/>
-              <a:t>2/21/2023</a:t>
+              <a:t>2/22/2023</a:t>
             </a:fld>
             <a:endParaRPr lang="en-US"/>
           </a:p>
@@ -3365,10 +3417,10 @@
       </p:grpSpPr>
       <p:graphicFrame>
         <p:nvGraphicFramePr>
-          <p:cNvPr id="4" name="Chart 3">
+          <p:cNvPr id="6" name="Chart 5">
             <a:extLst>
               <a:ext uri="{FF2B5EF4-FFF2-40B4-BE49-F238E27FC236}">
-                <a16:creationId xmlns:a16="http://schemas.microsoft.com/office/drawing/2014/main" id="{D6FE03A0-5140-49F0-A55E-77A61EB5F88F}"/>
+                <a16:creationId xmlns:a16="http://schemas.microsoft.com/office/drawing/2014/main" id="{4F11668D-88F6-4192-A6C6-57CC489F73D9}"/>
               </a:ext>
             </a:extLst>
           </p:cNvPr>
@@ -3378,14 +3430,14 @@
           <p:nvPr>
             <p:extLst>
               <p:ext uri="{D42A27DB-BD31-4B8C-83A1-F6EECF244321}">
-                <p14:modId xmlns:p14="http://schemas.microsoft.com/office/powerpoint/2010/main" val="2192437091"/>
+                <p14:modId xmlns:p14="http://schemas.microsoft.com/office/powerpoint/2010/main" val="325751254"/>
               </p:ext>
             </p:extLst>
           </p:nvPr>
         </p:nvGraphicFramePr>
         <p:xfrm>
-          <a:off x="0" y="0"/>
-          <a:ext cx="6400800" cy="2514600"/>
+          <a:off x="0" y="1"/>
+          <a:ext cx="6400800" cy="2514599"/>
         </p:xfrm>
         <a:graphic>
           <a:graphicData uri="http://schemas.openxmlformats.org/drawingml/2006/chart">
